--- a/googleDinoWorkshop.pptx
+++ b/googleDinoWorkshop.pptx
@@ -13,12 +13,14 @@
     <p:sldId id="650" r:id="rId6"/>
     <p:sldId id="986" r:id="rId7"/>
     <p:sldId id="987" r:id="rId8"/>
-    <p:sldId id="942" r:id="rId9"/>
+    <p:sldId id="989" r:id="rId9"/>
+    <p:sldId id="990" r:id="rId10"/>
+    <p:sldId id="942" r:id="rId11"/>
   </p:sldIdLst>
   <p:sldSz cx="12192000" cy="6858000"/>
   <p:notesSz cx="6887845" cy="10020300"/>
   <p:custDataLst>
-    <p:tags r:id="rId14"/>
+    <p:tags r:id="rId16"/>
   </p:custDataLst>
   <p:defaultTextStyle>
     <a:defPPr>
@@ -3963,6 +3965,90 @@
 </file>
 
 <file path=ppt/notesSlides/notesSlide5.xml><?xml version="1.0" encoding="utf-8"?>
+<p:notes xmlns:a="http://schemas.openxmlformats.org/drawingml/2006/main" xmlns:r="http://schemas.openxmlformats.org/officeDocument/2006/relationships" xmlns:p="http://schemas.openxmlformats.org/presentationml/2006/main">
+  <p:cSld>
+    <p:spTree>
+      <p:nvGrpSpPr>
+        <p:cNvPr id="1" name=""/>
+        <p:cNvGrpSpPr/>
+        <p:nvPr/>
+      </p:nvGrpSpPr>
+      <p:grpSpPr>
+        <a:xfrm>
+          <a:off x="0" y="0"/>
+          <a:ext cx="0" cy="0"/>
+          <a:chOff x="0" y="0"/>
+          <a:chExt cx="0" cy="0"/>
+        </a:xfrm>
+      </p:grpSpPr>
+      <p:sp>
+        <p:nvSpPr>
+          <p:cNvPr id="16385" name="幻灯片图像占位符 1"/>
+          <p:cNvSpPr>
+            <a:spLocks noGrp="1" noRot="1" noChangeAspect="1" noChangeArrowheads="1"/>
+          </p:cNvSpPr>
+          <p:nvPr>
+            <p:ph type="sldImg" idx="4294967295"/>
+          </p:nvPr>
+        </p:nvSpPr>
+        <p:spPr bwMode="auto">
+          <a:ln>
+            <a:solidFill>
+              <a:srgbClr val="000000"/>
+            </a:solidFill>
+            <a:miter lim="800000"/>
+          </a:ln>
+        </p:spPr>
+      </p:sp>
+      <p:sp>
+        <p:nvSpPr>
+          <p:cNvPr id="16386" name="文本占位符 2"/>
+          <p:cNvSpPr>
+            <a:spLocks noGrp="1" noChangeArrowheads="1"/>
+          </p:cNvSpPr>
+          <p:nvPr>
+            <p:ph type="body" idx="4294967295"/>
+          </p:nvPr>
+        </p:nvSpPr>
+        <p:spPr bwMode="auto">
+          <a:noFill/>
+          <a:extLst>
+            <a:ext uri="{909E8E84-426E-40DD-AFC4-6F175D3DCCD1}">
+              <a14:hiddenFill xmlns:a14="http://schemas.microsoft.com/office/drawing/2010/main">
+                <a:solidFill>
+                  <a:srgbClr val="FFFFFF"/>
+                </a:solidFill>
+              </a14:hiddenFill>
+            </a:ext>
+            <a:ext uri="{91240B29-F687-4F45-9708-019B960494DF}">
+              <a14:hiddenLine xmlns:a14="http://schemas.microsoft.com/office/drawing/2010/main" w="9525">
+                <a:solidFill>
+                  <a:srgbClr val="000000"/>
+                </a:solidFill>
+                <a:miter lim="800000"/>
+                <a:headEnd/>
+                <a:tailEnd/>
+              </a14:hiddenLine>
+            </a:ext>
+          </a:extLst>
+        </p:spPr>
+        <p:txBody>
+          <a:bodyPr wrap="square" numCol="1" anchor="t" anchorCtr="0" compatLnSpc="1"/>
+          <a:lstStyle/>
+          <a:p>
+            <a:endParaRPr lang="zh-CN" altLang="en-US" dirty="0"/>
+          </a:p>
+        </p:txBody>
+      </p:sp>
+    </p:spTree>
+  </p:cSld>
+  <p:clrMapOvr>
+    <a:masterClrMapping/>
+  </p:clrMapOvr>
+</p:notes>
+</file>
+
+<file path=ppt/notesSlides/notesSlide6.xml><?xml version="1.0" encoding="utf-8"?>
 <p:notes xmlns:a="http://schemas.openxmlformats.org/drawingml/2006/main" xmlns:r="http://schemas.openxmlformats.org/officeDocument/2006/relationships" xmlns:p="http://schemas.openxmlformats.org/presentationml/2006/main">
   <p:cSld>
     <p:spTree>
@@ -8046,45 +8132,6 @@
           </a:graphicData>
         </a:graphic>
       </p:graphicFrame>
-      <p:sp>
-        <p:nvSpPr>
-          <p:cNvPr id="8" name="文本框 7"/>
-          <p:cNvSpPr txBox="1"/>
-          <p:nvPr>
-            <p:custDataLst>
-              <p:tags r:id="rId7"/>
-            </p:custDataLst>
-          </p:nvPr>
-        </p:nvSpPr>
-        <p:spPr>
-          <a:xfrm>
-            <a:off x="4208161" y="1961397"/>
-            <a:ext cx="3775393" cy="707886"/>
-          </a:xfrm>
-          <a:prstGeom prst="rect">
-            <a:avLst/>
-          </a:prstGeom>
-          <a:noFill/>
-        </p:spPr>
-        <p:txBody>
-          <a:bodyPr wrap="none" rtlCol="0">
-            <a:spAutoFit/>
-          </a:bodyPr>
-          <a:p>
-            <a:r>
-              <a:rPr lang="zh-CN" altLang="en-US" sz="4000" b="1" dirty="0">
-                <a:latin typeface="微软雅黑" panose="020B0503020204020204" pitchFamily="34" charset="-122"/>
-                <a:ea typeface="微软雅黑" panose="020B0503020204020204" pitchFamily="34" charset="-122"/>
-              </a:rPr>
-              <a:t>工程设计的步骤</a:t>
-            </a:r>
-            <a:endParaRPr lang="zh-CN" altLang="en-US" sz="4000" b="1" dirty="0">
-              <a:latin typeface="微软雅黑" panose="020B0503020204020204" pitchFamily="34" charset="-122"/>
-              <a:ea typeface="微软雅黑" panose="020B0503020204020204" pitchFamily="34" charset="-122"/>
-            </a:endParaRPr>
-          </a:p>
-        </p:txBody>
-      </p:sp>
     </p:spTree>
   </p:cSld>
   <p:clrMapOvr>
@@ -8283,6 +8330,551 @@
 </file>
 
 <file path=ppt/slides/slide5.xml><?xml version="1.0" encoding="utf-8"?>
+<p:sld xmlns:a="http://schemas.openxmlformats.org/drawingml/2006/main" xmlns:r="http://schemas.openxmlformats.org/officeDocument/2006/relationships" xmlns:p="http://schemas.openxmlformats.org/presentationml/2006/main">
+  <p:cSld>
+    <p:spTree>
+      <p:nvGrpSpPr>
+        <p:cNvPr id="1" name=""/>
+        <p:cNvGrpSpPr/>
+        <p:nvPr/>
+      </p:nvGrpSpPr>
+      <p:grpSpPr>
+        <a:xfrm>
+          <a:off x="0" y="0"/>
+          <a:ext cx="0" cy="0"/>
+          <a:chOff x="0" y="0"/>
+          <a:chExt cx="0" cy="0"/>
+        </a:xfrm>
+      </p:grpSpPr>
+      <p:sp>
+        <p:nvSpPr>
+          <p:cNvPr id="15361" name="标题 1"/>
+          <p:cNvSpPr>
+            <a:spLocks noGrp="1" noChangeArrowheads="1"/>
+          </p:cNvSpPr>
+          <p:nvPr>
+            <p:ph type="title"/>
+          </p:nvPr>
+        </p:nvSpPr>
+        <p:spPr/>
+        <p:txBody>
+          <a:bodyPr/>
+          <a:lstStyle/>
+          <a:p>
+            <a:r>
+              <a:rPr lang="en-US" altLang="zh-CN" dirty="0">
+                <a:solidFill>
+                  <a:srgbClr val="0071C5"/>
+                </a:solidFill>
+                <a:sym typeface="等线" panose="02010600030101010101" charset="-122"/>
+              </a:rPr>
+              <a:t>materials</a:t>
+            </a:r>
+            <a:endParaRPr lang="en-US" altLang="zh-CN" dirty="0">
+              <a:solidFill>
+                <a:srgbClr val="0071C5"/>
+              </a:solidFill>
+              <a:sym typeface="等线" panose="02010600030101010101" charset="-122"/>
+            </a:endParaRPr>
+          </a:p>
+        </p:txBody>
+      </p:sp>
+      <p:sp>
+        <p:nvSpPr>
+          <p:cNvPr id="2" name="文本框 1"/>
+          <p:cNvSpPr txBox="1"/>
+          <p:nvPr>
+            <p:custDataLst>
+              <p:tags r:id="rId1"/>
+            </p:custDataLst>
+          </p:nvPr>
+        </p:nvSpPr>
+        <p:spPr>
+          <a:xfrm>
+            <a:off x="609616" y="1788042"/>
+            <a:ext cx="4996180" cy="3784600"/>
+          </a:xfrm>
+          <a:prstGeom prst="rect">
+            <a:avLst/>
+          </a:prstGeom>
+          <a:noFill/>
+        </p:spPr>
+        <p:txBody>
+          <a:bodyPr wrap="none" rtlCol="0">
+            <a:spAutoFit/>
+          </a:bodyPr>
+          <a:p>
+            <a:pPr marL="571500" indent="-571500">
+              <a:lnSpc>
+                <a:spcPct val="200000"/>
+              </a:lnSpc>
+              <a:buFont typeface="Arial" panose="020B0604020202020204" pitchFamily="34" charset="0"/>
+              <a:buChar char="•"/>
+            </a:pPr>
+            <a:r>
+              <a:rPr lang="en-US" altLang="zh-CN" sz="4000" b="1" dirty="0">
+                <a:latin typeface="微软雅黑" panose="020B0503020204020204" pitchFamily="34" charset="-122"/>
+                <a:ea typeface="微软雅黑" panose="020B0503020204020204" pitchFamily="34" charset="-122"/>
+              </a:rPr>
+              <a:t>arduino UNO  *1</a:t>
+            </a:r>
+            <a:endParaRPr lang="en-US" altLang="zh-CN" sz="4000" b="1" dirty="0">
+              <a:latin typeface="微软雅黑" panose="020B0503020204020204" pitchFamily="34" charset="-122"/>
+              <a:ea typeface="微软雅黑" panose="020B0503020204020204" pitchFamily="34" charset="-122"/>
+            </a:endParaRPr>
+          </a:p>
+          <a:p>
+            <a:pPr marL="571500" indent="-571500">
+              <a:lnSpc>
+                <a:spcPct val="200000"/>
+              </a:lnSpc>
+              <a:buFont typeface="Arial" panose="020B0604020202020204" pitchFamily="34" charset="0"/>
+              <a:buChar char="•"/>
+            </a:pPr>
+            <a:r>
+              <a:rPr lang="en-US" altLang="zh-CN" sz="4000" b="1" dirty="0">
+                <a:latin typeface="微软雅黑" panose="020B0503020204020204" pitchFamily="34" charset="-122"/>
+                <a:ea typeface="微软雅黑" panose="020B0503020204020204" pitchFamily="34" charset="-122"/>
+              </a:rPr>
+              <a:t>photoresistor *1</a:t>
+            </a:r>
+            <a:endParaRPr lang="en-US" altLang="zh-CN" sz="4000" b="1" dirty="0">
+              <a:latin typeface="微软雅黑" panose="020B0503020204020204" pitchFamily="34" charset="-122"/>
+              <a:ea typeface="微软雅黑" panose="020B0503020204020204" pitchFamily="34" charset="-122"/>
+            </a:endParaRPr>
+          </a:p>
+          <a:p>
+            <a:pPr marL="571500" indent="-571500">
+              <a:lnSpc>
+                <a:spcPct val="200000"/>
+              </a:lnSpc>
+              <a:buFont typeface="Arial" panose="020B0604020202020204" pitchFamily="34" charset="0"/>
+              <a:buChar char="•"/>
+            </a:pPr>
+            <a:r>
+              <a:rPr lang="en-US" altLang="zh-CN" sz="4000" b="1" dirty="0">
+                <a:latin typeface="微软雅黑" panose="020B0503020204020204" pitchFamily="34" charset="-122"/>
+                <a:ea typeface="微软雅黑" panose="020B0503020204020204" pitchFamily="34" charset="-122"/>
+              </a:rPr>
+              <a:t>9g servo *1</a:t>
+            </a:r>
+            <a:endParaRPr lang="en-US" altLang="zh-CN" sz="4000" b="1" dirty="0">
+              <a:latin typeface="微软雅黑" panose="020B0503020204020204" pitchFamily="34" charset="-122"/>
+              <a:ea typeface="微软雅黑" panose="020B0503020204020204" pitchFamily="34" charset="-122"/>
+            </a:endParaRPr>
+          </a:p>
+        </p:txBody>
+      </p:sp>
+      <p:pic>
+        <p:nvPicPr>
+          <p:cNvPr id="100" name="图片 99"/>
+          <p:cNvPicPr/>
+          <p:nvPr/>
+        </p:nvPicPr>
+        <p:blipFill>
+          <a:blip r:embed="rId2"/>
+          <a:stretch>
+            <a:fillRect/>
+          </a:stretch>
+        </p:blipFill>
+        <p:spPr>
+          <a:xfrm>
+            <a:off x="6400165" y="1407795"/>
+            <a:ext cx="2406015" cy="1590040"/>
+          </a:xfrm>
+          <a:prstGeom prst="rect">
+            <a:avLst/>
+          </a:prstGeom>
+          <a:noFill/>
+          <a:ln w="9525">
+            <a:noFill/>
+          </a:ln>
+        </p:spPr>
+      </p:pic>
+      <p:pic>
+        <p:nvPicPr>
+          <p:cNvPr id="101" name="图片 100"/>
+          <p:cNvPicPr/>
+          <p:nvPr/>
+        </p:nvPicPr>
+        <p:blipFill>
+          <a:blip r:embed="rId3"/>
+          <a:srcRect t="36897"/>
+          <a:stretch>
+            <a:fillRect/>
+          </a:stretch>
+        </p:blipFill>
+        <p:spPr>
+          <a:xfrm>
+            <a:off x="7738745" y="3331210"/>
+            <a:ext cx="3425825" cy="1350645"/>
+          </a:xfrm>
+          <a:prstGeom prst="rect">
+            <a:avLst/>
+          </a:prstGeom>
+          <a:noFill/>
+          <a:ln w="9525">
+            <a:noFill/>
+          </a:ln>
+        </p:spPr>
+      </p:pic>
+      <p:pic>
+        <p:nvPicPr>
+          <p:cNvPr id="102" name="图片 101"/>
+          <p:cNvPicPr/>
+          <p:nvPr/>
+        </p:nvPicPr>
+        <p:blipFill>
+          <a:blip r:embed="rId4"/>
+          <a:stretch>
+            <a:fillRect/>
+          </a:stretch>
+        </p:blipFill>
+        <p:spPr>
+          <a:xfrm>
+            <a:off x="5887720" y="4795520"/>
+            <a:ext cx="2168525" cy="1845945"/>
+          </a:xfrm>
+          <a:prstGeom prst="rect">
+            <a:avLst/>
+          </a:prstGeom>
+          <a:noFill/>
+          <a:ln w="9525">
+            <a:noFill/>
+          </a:ln>
+        </p:spPr>
+      </p:pic>
+    </p:spTree>
+  </p:cSld>
+  <p:clrMapOvr>
+    <a:masterClrMapping/>
+  </p:clrMapOvr>
+  <mc:AlternateContent xmlns:mc="http://schemas.openxmlformats.org/markup-compatibility/2006">
+    <mc:Choice xmlns:p14="http://schemas.microsoft.com/office/powerpoint/2010/main" Requires="p14">
+      <p:transition spd="slow" p14:dur="1500" advClick="0" advTm="4000">
+        <p14:window dir="vert"/>
+      </p:transition>
+    </mc:Choice>
+    <mc:Fallback>
+      <p:transition spd="slow" advClick="0" advTm="4000">
+        <p:fade/>
+      </p:transition>
+    </mc:Fallback>
+  </mc:AlternateContent>
+</p:sld>
+</file>
+
+<file path=ppt/slides/slide6.xml><?xml version="1.0" encoding="utf-8"?>
+<p:sld xmlns:a="http://schemas.openxmlformats.org/drawingml/2006/main" xmlns:r="http://schemas.openxmlformats.org/officeDocument/2006/relationships" xmlns:p="http://schemas.openxmlformats.org/presentationml/2006/main">
+  <p:cSld>
+    <p:spTree>
+      <p:nvGrpSpPr>
+        <p:cNvPr id="1" name=""/>
+        <p:cNvGrpSpPr/>
+        <p:nvPr/>
+      </p:nvGrpSpPr>
+      <p:grpSpPr/>
+      <p:sp>
+        <p:nvSpPr>
+          <p:cNvPr id="3" name="标题 2"/>
+          <p:cNvSpPr>
+            <a:spLocks noGrp="1"/>
+          </p:cNvSpPr>
+          <p:nvPr>
+            <p:ph type="title"/>
+          </p:nvPr>
+        </p:nvSpPr>
+        <p:spPr/>
+        <p:txBody>
+          <a:bodyPr/>
+          <a:p>
+            <a:r>
+              <a:rPr lang="en-US" altLang="zh-CN"/>
+              <a:t>circuit</a:t>
+            </a:r>
+            <a:endParaRPr lang="en-US" altLang="zh-CN"/>
+          </a:p>
+        </p:txBody>
+      </p:sp>
+      <p:pic>
+        <p:nvPicPr>
+          <p:cNvPr id="4" name="图片 3"/>
+          <p:cNvPicPr>
+            <a:picLocks noChangeAspect="1"/>
+          </p:cNvPicPr>
+          <p:nvPr/>
+        </p:nvPicPr>
+        <p:blipFill>
+          <a:blip r:embed="rId1"/>
+          <a:stretch>
+            <a:fillRect/>
+          </a:stretch>
+        </p:blipFill>
+        <p:spPr>
+          <a:xfrm>
+            <a:off x="756920" y="1236980"/>
+            <a:ext cx="8639175" cy="5010150"/>
+          </a:xfrm>
+          <a:prstGeom prst="rect">
+            <a:avLst/>
+          </a:prstGeom>
+        </p:spPr>
+      </p:pic>
+      <p:pic>
+        <p:nvPicPr>
+          <p:cNvPr id="101" name="图片 100"/>
+          <p:cNvPicPr/>
+          <p:nvPr/>
+        </p:nvPicPr>
+        <p:blipFill>
+          <a:blip r:embed="rId2"/>
+          <a:srcRect t="36897"/>
+          <a:stretch>
+            <a:fillRect/>
+          </a:stretch>
+        </p:blipFill>
+        <p:spPr>
+          <a:xfrm flipH="1">
+            <a:off x="1272540" y="5047615"/>
+            <a:ext cx="3425825" cy="1350645"/>
+          </a:xfrm>
+          <a:prstGeom prst="rect">
+            <a:avLst/>
+          </a:prstGeom>
+          <a:noFill/>
+          <a:ln w="9525">
+            <a:noFill/>
+          </a:ln>
+        </p:spPr>
+      </p:pic>
+      <p:cxnSp>
+        <p:nvCxnSpPr>
+          <p:cNvPr id="5" name="直接箭头连接符 4"/>
+          <p:cNvCxnSpPr/>
+          <p:nvPr/>
+        </p:nvCxnSpPr>
+        <p:spPr>
+          <a:xfrm flipH="1" flipV="1">
+            <a:off x="6435090" y="4779645"/>
+            <a:ext cx="14605" cy="760095"/>
+          </a:xfrm>
+          <a:prstGeom prst="straightConnector1">
+            <a:avLst/>
+          </a:prstGeom>
+          <a:ln w="34925">
+            <a:tailEnd type="arrow" w="med" len="med"/>
+          </a:ln>
+        </p:spPr>
+        <p:style>
+          <a:lnRef idx="3">
+            <a:schemeClr val="accent2"/>
+          </a:lnRef>
+          <a:fillRef idx="0">
+            <a:schemeClr val="accent2"/>
+          </a:fillRef>
+          <a:effectRef idx="2">
+            <a:schemeClr val="accent2"/>
+          </a:effectRef>
+          <a:fontRef idx="minor">
+            <a:schemeClr val="tx1"/>
+          </a:fontRef>
+        </p:style>
+      </p:cxnSp>
+      <p:cxnSp>
+        <p:nvCxnSpPr>
+          <p:cNvPr id="6" name="直接箭头连接符 5"/>
+          <p:cNvCxnSpPr/>
+          <p:nvPr/>
+        </p:nvCxnSpPr>
+        <p:spPr>
+          <a:xfrm flipH="1" flipV="1">
+            <a:off x="6092190" y="4779645"/>
+            <a:ext cx="28575" cy="1110615"/>
+          </a:xfrm>
+          <a:prstGeom prst="straightConnector1">
+            <a:avLst/>
+          </a:prstGeom>
+          <a:ln w="38100">
+            <a:tailEnd type="arrow"/>
+          </a:ln>
+        </p:spPr>
+        <p:style>
+          <a:lnRef idx="1">
+            <a:schemeClr val="accent1"/>
+          </a:lnRef>
+          <a:fillRef idx="0">
+            <a:schemeClr val="accent1"/>
+          </a:fillRef>
+          <a:effectRef idx="0">
+            <a:schemeClr val="accent1"/>
+          </a:effectRef>
+          <a:fontRef idx="minor">
+            <a:schemeClr val="tx1"/>
+          </a:fontRef>
+        </p:style>
+      </p:cxnSp>
+      <p:cxnSp>
+        <p:nvCxnSpPr>
+          <p:cNvPr id="7" name="直接箭头连接符 6"/>
+          <p:cNvCxnSpPr/>
+          <p:nvPr/>
+        </p:nvCxnSpPr>
+        <p:spPr>
+          <a:xfrm flipV="1">
+            <a:off x="5857875" y="4685665"/>
+            <a:ext cx="0" cy="1379855"/>
+          </a:xfrm>
+          <a:prstGeom prst="straightConnector1">
+            <a:avLst/>
+          </a:prstGeom>
+          <a:ln w="34925">
+            <a:solidFill>
+              <a:srgbClr val="FF0000"/>
+            </a:solidFill>
+            <a:tailEnd type="arrow"/>
+          </a:ln>
+        </p:spPr>
+        <p:style>
+          <a:lnRef idx="1">
+            <a:schemeClr val="accent1"/>
+          </a:lnRef>
+          <a:fillRef idx="0">
+            <a:schemeClr val="accent1"/>
+          </a:fillRef>
+          <a:effectRef idx="0">
+            <a:schemeClr val="accent1"/>
+          </a:effectRef>
+          <a:fontRef idx="minor">
+            <a:schemeClr val="tx1"/>
+          </a:fontRef>
+        </p:style>
+      </p:cxnSp>
+      <p:cxnSp>
+        <p:nvCxnSpPr>
+          <p:cNvPr id="8" name="直接连接符 7"/>
+          <p:cNvCxnSpPr/>
+          <p:nvPr/>
+        </p:nvCxnSpPr>
+        <p:spPr>
+          <a:xfrm>
+            <a:off x="4579620" y="6043295"/>
+            <a:ext cx="1278255" cy="0"/>
+          </a:xfrm>
+          <a:prstGeom prst="line">
+            <a:avLst/>
+          </a:prstGeom>
+          <a:ln w="28575">
+            <a:solidFill>
+              <a:srgbClr val="FF0000"/>
+            </a:solidFill>
+          </a:ln>
+        </p:spPr>
+        <p:style>
+          <a:lnRef idx="1">
+            <a:schemeClr val="accent1"/>
+          </a:lnRef>
+          <a:fillRef idx="0">
+            <a:schemeClr val="accent1"/>
+          </a:fillRef>
+          <a:effectRef idx="0">
+            <a:schemeClr val="accent1"/>
+          </a:effectRef>
+          <a:fontRef idx="minor">
+            <a:schemeClr val="tx1"/>
+          </a:fontRef>
+        </p:style>
+      </p:cxnSp>
+      <p:cxnSp>
+        <p:nvCxnSpPr>
+          <p:cNvPr id="9" name="直接连接符 8"/>
+          <p:cNvCxnSpPr/>
+          <p:nvPr/>
+        </p:nvCxnSpPr>
+        <p:spPr>
+          <a:xfrm flipV="1">
+            <a:off x="4641215" y="5875655"/>
+            <a:ext cx="1515745" cy="9525"/>
+          </a:xfrm>
+          <a:prstGeom prst="line">
+            <a:avLst/>
+          </a:prstGeom>
+          <a:ln w="28575">
+            <a:solidFill>
+              <a:srgbClr val="0171C5"/>
+            </a:solidFill>
+          </a:ln>
+        </p:spPr>
+        <p:style>
+          <a:lnRef idx="1">
+            <a:schemeClr val="accent1"/>
+          </a:lnRef>
+          <a:fillRef idx="0">
+            <a:schemeClr val="accent1"/>
+          </a:fillRef>
+          <a:effectRef idx="0">
+            <a:schemeClr val="accent1"/>
+          </a:effectRef>
+          <a:fontRef idx="minor">
+            <a:schemeClr val="tx1"/>
+          </a:fontRef>
+        </p:style>
+      </p:cxnSp>
+      <p:cxnSp>
+        <p:nvCxnSpPr>
+          <p:cNvPr id="10" name="直接连接符 9"/>
+          <p:cNvCxnSpPr/>
+          <p:nvPr/>
+        </p:nvCxnSpPr>
+        <p:spPr>
+          <a:xfrm flipV="1">
+            <a:off x="4641215" y="5568950"/>
+            <a:ext cx="1823085" cy="16510"/>
+          </a:xfrm>
+          <a:prstGeom prst="line">
+            <a:avLst/>
+          </a:prstGeom>
+          <a:ln w="28575">
+            <a:solidFill>
+              <a:schemeClr val="accent2"/>
+            </a:solidFill>
+          </a:ln>
+        </p:spPr>
+        <p:style>
+          <a:lnRef idx="1">
+            <a:schemeClr val="accent1"/>
+          </a:lnRef>
+          <a:fillRef idx="0">
+            <a:schemeClr val="accent1"/>
+          </a:fillRef>
+          <a:effectRef idx="0">
+            <a:schemeClr val="accent1"/>
+          </a:effectRef>
+          <a:fontRef idx="minor">
+            <a:schemeClr val="tx1"/>
+          </a:fontRef>
+        </p:style>
+      </p:cxnSp>
+    </p:spTree>
+  </p:cSld>
+  <p:clrMapOvr>
+    <a:masterClrMapping/>
+  </p:clrMapOvr>
+  <mc:AlternateContent xmlns:mc="http://schemas.openxmlformats.org/markup-compatibility/2006">
+    <mc:Choice xmlns:p14="http://schemas.microsoft.com/office/powerpoint/2010/main" Requires="p14">
+      <p:transition spd="slow" p14:dur="1500" advClick="0" advTm="4000">
+        <p14:window dir="vert"/>
+      </p:transition>
+    </mc:Choice>
+    <mc:Fallback>
+      <p:transition spd="slow" advClick="0" advTm="4000">
+        <p:fade/>
+      </p:transition>
+    </mc:Fallback>
+  </mc:AlternateContent>
+</p:sld>
+</file>
+
+<file path=ppt/slides/slide7.xml><?xml version="1.0" encoding="utf-8"?>
 <p:sld xmlns:a="http://schemas.openxmlformats.org/drawingml/2006/main" xmlns:r="http://schemas.openxmlformats.org/officeDocument/2006/relationships" xmlns:p="http://schemas.openxmlformats.org/presentationml/2006/main">
   <p:cSld>
     <p:spTree>
